--- a/18-data-visualization/Contenido Semana 2/5.5. Presentación - Gráfico de Dispersión.pptx
+++ b/18-data-visualization/Contenido Semana 2/5.5. Presentación - Gráfico de Dispersión.pptx
@@ -18,21 +18,21 @@
   <p:notesSz cx="6858000" cy="9144000"/>
   <p:embeddedFontLst>
     <p:embeddedFont>
-      <p:font typeface="Calibri" panose="020F0502020204030204" pitchFamily="34" charset="0"/>
+      <p:font typeface="Raleway" panose="020B0604020202020204" charset="0"/>
       <p:regular r:id="rId8"/>
       <p:bold r:id="rId9"/>
       <p:italic r:id="rId10"/>
       <p:boldItalic r:id="rId11"/>
     </p:embeddedFont>
     <p:embeddedFont>
-      <p:font typeface="Raleway" panose="020B0604020202020204" charset="0"/>
+      <p:font typeface="Montserrat" panose="020B0604020202020204" charset="0"/>
       <p:regular r:id="rId12"/>
       <p:bold r:id="rId13"/>
       <p:italic r:id="rId14"/>
       <p:boldItalic r:id="rId15"/>
     </p:embeddedFont>
     <p:embeddedFont>
-      <p:font typeface="Montserrat" panose="020B0604020202020204" charset="0"/>
+      <p:font typeface="Calibri" panose="020F0502020204030204" pitchFamily="34" charset="0"/>
       <p:regular r:id="rId16"/>
       <p:bold r:id="rId17"/>
       <p:italic r:id="rId18"/>
@@ -1273,7 +1273,7 @@
               </a:spcBef>
               <a:buNone/>
             </a:pPr>
-            <a:endParaRPr/>
+            <a:endParaRPr dirty="0"/>
           </a:p>
         </p:txBody>
       </p:sp>
@@ -10357,7 +10357,7 @@
                 <a:cs typeface="Raleway"/>
                 <a:sym typeface="Raleway"/>
               </a:rPr>
-              <a:t>Lección 5.4. </a:t>
+              <a:t>Lección 5.5. </a:t>
             </a:r>
             <a:r>
               <a:rPr lang="es-VE" sz="2400" dirty="0">
@@ -10425,8 +10425,8 @@
         </p:nvSpPr>
         <p:spPr>
           <a:xfrm>
-            <a:off x="457200" y="1628481"/>
-            <a:ext cx="8229600" cy="4526100"/>
+            <a:off x="227202" y="1493620"/>
+            <a:ext cx="2326479" cy="4526100"/>
           </a:xfrm>
           <a:prstGeom prst="rect">
             <a:avLst/>
@@ -10457,14 +10457,14 @@
               <a:buNone/>
             </a:pPr>
             <a:r>
-              <a:rPr lang="es-VE" sz="1850" b="0" i="0" u="none" strike="noStrike" cap="none" dirty="0">
+              <a:rPr lang="es-VE" sz="1850" b="1" i="0" u="none" strike="noStrike" cap="none" dirty="0">
                 <a:solidFill>
                   <a:schemeClr val="dk1"/>
                 </a:solidFill>
               </a:rPr>
-              <a:t>Texto</a:t>
+              <a:t>Data</a:t>
             </a:r>
-            <a:endParaRPr lang="es-VE" sz="1850" dirty="0"/>
+            <a:endParaRPr lang="es-VE" sz="1850" b="1" dirty="0"/>
           </a:p>
         </p:txBody>
       </p:sp>
@@ -10530,7 +10530,7 @@
                 <a:cs typeface="Montserrat"/>
                 <a:sym typeface="Montserrat"/>
               </a:rPr>
-              <a:t>.4 Gráfico de Dispersión</a:t>
+              <a:t>.5 Gráfico de Dispersión</a:t>
             </a:r>
           </a:p>
         </p:txBody>
@@ -10620,14 +10620,14 @@
           <p:nvPr>
             <p:extLst>
               <p:ext uri="{D42A27DB-BD31-4B8C-83A1-F6EECF244321}">
-                <p14:modId xmlns:p14="http://schemas.microsoft.com/office/powerpoint/2010/main" val="3581294516"/>
+                <p14:modId xmlns:p14="http://schemas.microsoft.com/office/powerpoint/2010/main" val="3394478880"/>
               </p:ext>
             </p:extLst>
           </p:nvPr>
         </p:nvGraphicFramePr>
         <p:xfrm>
-          <a:off x="405831" y="2362354"/>
-          <a:ext cx="3030238" cy="3337560"/>
+          <a:off x="174876" y="1876810"/>
+          <a:ext cx="1872933" cy="3337560"/>
         </p:xfrm>
         <a:graphic>
           <a:graphicData uri="http://schemas.openxmlformats.org/drawingml/2006/table">
@@ -10636,21 +10636,21 @@
                 <a:tableStyleId>{5C22544A-7EE6-4342-B048-85BDC9FD1C3A}</a:tableStyleId>
               </a:tblPr>
               <a:tblGrid>
-                <a:gridCol w="1413427">
+                <a:gridCol w="496687">
                   <a:extLst>
                     <a:ext uri="{9D8B030D-6E8A-4147-A177-3AD203B41FA5}">
                       <a16:colId xmlns:a16="http://schemas.microsoft.com/office/drawing/2014/main" val="1642073338"/>
                     </a:ext>
                   </a:extLst>
                 </a:gridCol>
-                <a:gridCol w="808151">
+                <a:gridCol w="704750">
                   <a:extLst>
                     <a:ext uri="{9D8B030D-6E8A-4147-A177-3AD203B41FA5}">
                       <a16:colId xmlns:a16="http://schemas.microsoft.com/office/drawing/2014/main" val="1073385963"/>
                     </a:ext>
                   </a:extLst>
                 </a:gridCol>
-                <a:gridCol w="808660">
+                <a:gridCol w="671496">
                   <a:extLst>
                     <a:ext uri="{9D8B030D-6E8A-4147-A177-3AD203B41FA5}">
                       <a16:colId xmlns:a16="http://schemas.microsoft.com/office/drawing/2014/main" val="2345704613"/>
@@ -10671,7 +10671,7 @@
                           </a:solidFill>
                           <a:latin typeface="Raleway" panose="020B0604020202020204" charset="0"/>
                         </a:rPr>
-                        <a:t>Categoría</a:t>
+                        <a:t>Cat</a:t>
                       </a:r>
                       <a:endParaRPr lang="en-US" dirty="0">
                         <a:solidFill>
@@ -10918,7 +10918,9 @@
                       <a:headEnd type="none" w="med" len="med"/>
                       <a:tailEnd type="none" w="med" len="med"/>
                     </a:lnB>
-                    <a:noFill/>
+                    <a:solidFill>
+                      <a:srgbClr val="00B050"/>
+                    </a:solidFill>
                   </a:tcPr>
                 </a:tc>
                 <a:tc>
@@ -11108,7 +11110,9 @@
                       <a:headEnd type="none" w="med" len="med"/>
                       <a:tailEnd type="none" w="med" len="med"/>
                     </a:lnB>
-                    <a:noFill/>
+                    <a:solidFill>
+                      <a:srgbClr val="0070C0"/>
+                    </a:solidFill>
                   </a:tcPr>
                 </a:tc>
                 <a:tc>
@@ -11247,7 +11251,7 @@
                       <a:r>
                         <a:rPr lang="es-VE" b="1" dirty="0">
                           <a:solidFill>
-                            <a:srgbClr val="F7B617"/>
+                            <a:srgbClr val="FFFF00"/>
                           </a:solidFill>
                           <a:latin typeface="Raleway" panose="020B0604020202020204" charset="0"/>
                         </a:rPr>
@@ -11255,7 +11259,7 @@
                       </a:r>
                       <a:endParaRPr lang="en-US" b="1" dirty="0">
                         <a:solidFill>
-                          <a:srgbClr val="F7B617"/>
+                          <a:srgbClr val="FFFF00"/>
                         </a:solidFill>
                         <a:latin typeface="Raleway" panose="020B0604020202020204" charset="0"/>
                       </a:endParaRPr>
@@ -11298,7 +11302,9 @@
                       <a:headEnd type="none" w="med" len="med"/>
                       <a:tailEnd type="none" w="med" len="med"/>
                     </a:lnB>
-                    <a:noFill/>
+                    <a:solidFill>
+                      <a:srgbClr val="FFFF00"/>
+                    </a:solidFill>
                   </a:tcPr>
                 </a:tc>
                 <a:tc>
@@ -11494,7 +11500,9 @@
                       <a:headEnd type="none" w="med" len="med"/>
                       <a:tailEnd type="none" w="med" len="med"/>
                     </a:lnB>
-                    <a:noFill/>
+                    <a:solidFill>
+                      <a:srgbClr val="FF0000"/>
+                    </a:solidFill>
                   </a:tcPr>
                 </a:tc>
                 <a:tc>
@@ -11693,7 +11701,9 @@
                       <a:headEnd type="none" w="med" len="med"/>
                       <a:tailEnd type="none" w="med" len="med"/>
                     </a:lnB>
-                    <a:noFill/>
+                    <a:solidFill>
+                      <a:srgbClr val="00B050"/>
+                    </a:solidFill>
                   </a:tcPr>
                 </a:tc>
                 <a:tc>
@@ -11889,7 +11899,9 @@
                       <a:headEnd type="none" w="med" len="med"/>
                       <a:tailEnd type="none" w="med" len="med"/>
                     </a:lnB>
-                    <a:noFill/>
+                    <a:solidFill>
+                      <a:srgbClr val="0070C0"/>
+                    </a:solidFill>
                   </a:tcPr>
                 </a:tc>
                 <a:tc>
@@ -12034,7 +12046,7 @@
                       <a:r>
                         <a:rPr lang="es-VE" b="1" dirty="0">
                           <a:solidFill>
-                            <a:srgbClr val="F7B617"/>
+                            <a:srgbClr val="FFFF00"/>
                           </a:solidFill>
                           <a:latin typeface="Raleway" panose="020B0604020202020204" charset="0"/>
                         </a:rPr>
@@ -12042,7 +12054,7 @@
                       </a:r>
                       <a:endParaRPr lang="en-US" b="1" dirty="0">
                         <a:solidFill>
-                          <a:srgbClr val="F7B617"/>
+                          <a:srgbClr val="FFFF00"/>
                         </a:solidFill>
                         <a:latin typeface="Raleway" panose="020B0604020202020204" charset="0"/>
                       </a:endParaRPr>
@@ -12085,7 +12097,9 @@
                       <a:headEnd type="none" w="med" len="med"/>
                       <a:tailEnd type="none" w="med" len="med"/>
                     </a:lnB>
-                    <a:noFill/>
+                    <a:solidFill>
+                      <a:srgbClr val="FFFF00"/>
+                    </a:solidFill>
                   </a:tcPr>
                 </a:tc>
                 <a:tc>
@@ -12281,7 +12295,9 @@
                       <a:headEnd type="none" w="med" len="med"/>
                       <a:tailEnd type="none" w="med" len="med"/>
                     </a:lnB>
-                    <a:noFill/>
+                    <a:solidFill>
+                      <a:srgbClr val="FF0000"/>
+                    </a:solidFill>
                   </a:tcPr>
                 </a:tc>
                 <a:tc>
@@ -12425,10 +12441,10 @@
       </p:graphicFrame>
       <p:sp>
         <p:nvSpPr>
-          <p:cNvPr id="7" name="TextBox 6">
+          <p:cNvPr id="8" name="TextBox 7">
             <a:extLst>
               <a:ext uri="{FF2B5EF4-FFF2-40B4-BE49-F238E27FC236}">
-                <a16:creationId xmlns:a16="http://schemas.microsoft.com/office/drawing/2014/main" id="{E18842B9-8B95-48A7-92E4-3B2BE08CB188}"/>
+                <a16:creationId xmlns:a16="http://schemas.microsoft.com/office/drawing/2014/main" id="{B717B43B-F316-4856-9C19-74542B1E7EA1}"/>
               </a:ext>
             </a:extLst>
           </p:cNvPr>
@@ -12437,8 +12453,8 @@
         </p:nvSpPr>
         <p:spPr>
           <a:xfrm>
-            <a:off x="5340285" y="1592655"/>
-            <a:ext cx="2474536" cy="338554"/>
+            <a:off x="4330881" y="1493619"/>
+            <a:ext cx="4709425" cy="5201424"/>
           </a:xfrm>
           <a:prstGeom prst="rect">
             <a:avLst/>
@@ -12451,18 +12467,688 @@
           </a:bodyPr>
           <a:lstStyle/>
           <a:p>
+            <a:pPr algn="just"/>
             <a:r>
               <a:rPr lang="es-VE" sz="1600" b="1" dirty="0">
                 <a:latin typeface="Raleway" panose="020B0604020202020204" charset="0"/>
               </a:rPr>
               <a:t>Instrucciones</a:t>
             </a:r>
-            <a:endParaRPr lang="en-US" sz="1600" b="1" dirty="0">
+          </a:p>
+          <a:p>
+            <a:pPr algn="just"/>
+            <a:endParaRPr lang="es-VE" sz="1600" dirty="0">
+              <a:latin typeface="Raleway" panose="020B0604020202020204" charset="0"/>
+            </a:endParaRPr>
+          </a:p>
+          <a:p>
+            <a:pPr algn="just"/>
+            <a:r>
+              <a:rPr lang="es-VE" sz="1200" b="1" dirty="0">
+                <a:latin typeface="Raleway" panose="020B0604020202020204" charset="0"/>
+              </a:rPr>
+              <a:t>NOTA: </a:t>
+            </a:r>
+            <a:r>
+              <a:rPr lang="es-VE" sz="1200" dirty="0">
+                <a:latin typeface="Raleway" panose="020B0604020202020204" charset="0"/>
+              </a:rPr>
+              <a:t>Recuerda que en este gráfico estamos visualizando 2 variables al mismo tiempo. Así que esta vez usaremos la base de LEGO para simular nuestra escala. Cómo nuestros LEGOS son cuadrados (tienen 4 puntos), 2 puntos en el tablero representa una sólo columna o una sola posición hacia arriba. Al final tendremos 8 puntos en diferentes lugares dispersos, justo lo que queremos con un gráfico de Dispersión. </a:t>
+            </a:r>
+          </a:p>
+          <a:p>
+            <a:pPr algn="just"/>
+            <a:endParaRPr lang="es-VE" sz="1200" dirty="0">
+              <a:latin typeface="Raleway" panose="020B0604020202020204" charset="0"/>
+            </a:endParaRPr>
+          </a:p>
+          <a:p>
+            <a:pPr marL="342900" indent="-342900" algn="just">
+              <a:buAutoNum type="arabicPeriod"/>
+            </a:pPr>
+            <a:r>
+              <a:rPr lang="es-VE" sz="1200" dirty="0">
+                <a:latin typeface="Raleway" panose="020B0604020202020204" charset="0"/>
+              </a:rPr>
+              <a:t>Comienza por el primer punto, comenzando desde la esquina inferior a la izquierda. Cómo la categoría es verde, usa un LEGO verde y cuenta hacia la derecha tantos valores diga en la talla, en este caso es en la primera columna y luego sube hacia arriba tantas posiciones diga el peso en este caso 4. </a:t>
+            </a:r>
+          </a:p>
+          <a:p>
+            <a:pPr marL="342900" indent="-342900" algn="just">
+              <a:buAutoNum type="arabicPeriod"/>
+            </a:pPr>
+            <a:r>
+              <a:rPr lang="es-VE" sz="1200" dirty="0">
+                <a:latin typeface="Raleway" panose="020B0604020202020204" charset="0"/>
+              </a:rPr>
+              <a:t>Continua con el segundo punto, en este caso la categoría es azul, así que debes usar un LEGO azul, y desplázate a la derecha 2 columnas (el número de tallas) y sube 7 posiciones (el número de peso)</a:t>
+            </a:r>
+          </a:p>
+          <a:p>
+            <a:pPr marL="342900" indent="-342900" algn="just">
+              <a:buAutoNum type="arabicPeriod"/>
+            </a:pPr>
+            <a:r>
+              <a:rPr lang="es-VE" sz="1200" dirty="0">
+                <a:latin typeface="Raleway" panose="020B0604020202020204" charset="0"/>
+              </a:rPr>
+              <a:t>Repite el procedimiento para los siguientes 6 puntos usando un LEGO del color de la categoría y desplazándote a la derecha el número que diga en talla y subiendo la cantidad de posiciones que diga en peso. </a:t>
+            </a:r>
+          </a:p>
+          <a:p>
+            <a:pPr marL="342900" indent="-342900" algn="just">
+              <a:buAutoNum type="arabicPeriod"/>
+            </a:pPr>
+            <a:r>
+              <a:rPr lang="es-VE" sz="1200" dirty="0">
+                <a:latin typeface="Raleway" panose="020B0604020202020204" charset="0"/>
+              </a:rPr>
+              <a:t>Cuando hayas colocado las 8 piezas, tendrás tu gráfico listo. </a:t>
+            </a:r>
+          </a:p>
+        </p:txBody>
+      </p:sp>
+      <p:sp>
+        <p:nvSpPr>
+          <p:cNvPr id="15" name="TextBox 14">
+            <a:extLst>
+              <a:ext uri="{FF2B5EF4-FFF2-40B4-BE49-F238E27FC236}">
+                <a16:creationId xmlns:a16="http://schemas.microsoft.com/office/drawing/2014/main" id="{CED572EC-A232-4EB9-AF42-9F7A32DF7E84}"/>
+              </a:ext>
+            </a:extLst>
+          </p:cNvPr>
+          <p:cNvSpPr txBox="1"/>
+          <p:nvPr/>
+        </p:nvSpPr>
+        <p:spPr>
+          <a:xfrm flipH="1">
+            <a:off x="2325947" y="4451404"/>
+            <a:ext cx="1796413" cy="307777"/>
+          </a:xfrm>
+          <a:prstGeom prst="rect">
+            <a:avLst/>
+          </a:prstGeom>
+          <a:noFill/>
+        </p:spPr>
+        <p:txBody>
+          <a:bodyPr wrap="square" rtlCol="0">
+            <a:spAutoFit/>
+          </a:bodyPr>
+          <a:lstStyle/>
+          <a:p>
+            <a:pPr algn="ctr"/>
+            <a:r>
+              <a:rPr lang="es-VE" dirty="0">
+                <a:latin typeface="Raleway" panose="020B0604020202020204" charset="0"/>
+              </a:rPr>
+              <a:t>Hacia la Derecha</a:t>
+            </a:r>
+            <a:endParaRPr lang="en-US" dirty="0">
               <a:latin typeface="Raleway" panose="020B0604020202020204" charset="0"/>
             </a:endParaRPr>
           </a:p>
         </p:txBody>
       </p:sp>
+      <p:grpSp>
+        <p:nvGrpSpPr>
+          <p:cNvPr id="20" name="Group 19">
+            <a:extLst>
+              <a:ext uri="{FF2B5EF4-FFF2-40B4-BE49-F238E27FC236}">
+                <a16:creationId xmlns:a16="http://schemas.microsoft.com/office/drawing/2014/main" id="{9E5249EF-4A6F-4EB4-9F06-5D68B021074A}"/>
+              </a:ext>
+            </a:extLst>
+          </p:cNvPr>
+          <p:cNvGrpSpPr/>
+          <p:nvPr/>
+        </p:nvGrpSpPr>
+        <p:grpSpPr>
+          <a:xfrm>
+            <a:off x="2260991" y="2077352"/>
+            <a:ext cx="1817467" cy="2321145"/>
+            <a:chOff x="2523576" y="3760037"/>
+            <a:chExt cx="1817467" cy="2321145"/>
+          </a:xfrm>
+        </p:grpSpPr>
+        <p:grpSp>
+          <p:nvGrpSpPr>
+            <p:cNvPr id="12" name="Group 11">
+              <a:extLst>
+                <a:ext uri="{FF2B5EF4-FFF2-40B4-BE49-F238E27FC236}">
+                  <a16:creationId xmlns:a16="http://schemas.microsoft.com/office/drawing/2014/main" id="{DE8995AE-13A3-4F0D-8A9E-F05518C53203}"/>
+                </a:ext>
+              </a:extLst>
+            </p:cNvPr>
+            <p:cNvGrpSpPr/>
+            <p:nvPr/>
+          </p:nvGrpSpPr>
+          <p:grpSpPr>
+            <a:xfrm>
+              <a:off x="3281870" y="3760037"/>
+              <a:ext cx="863199" cy="2038216"/>
+              <a:chOff x="2957634" y="3770575"/>
+              <a:chExt cx="863199" cy="2038216"/>
+            </a:xfrm>
+          </p:grpSpPr>
+          <p:pic>
+            <p:nvPicPr>
+              <p:cNvPr id="5" name="Picture 4">
+                <a:extLst>
+                  <a:ext uri="{FF2B5EF4-FFF2-40B4-BE49-F238E27FC236}">
+                    <a16:creationId xmlns:a16="http://schemas.microsoft.com/office/drawing/2014/main" id="{24485FF7-8DEF-4FAA-BBC8-B0E58B7D662E}"/>
+                  </a:ext>
+                </a:extLst>
+              </p:cNvPr>
+              <p:cNvPicPr>
+                <a:picLocks noChangeAspect="1"/>
+              </p:cNvPicPr>
+              <p:nvPr/>
+            </p:nvPicPr>
+            <p:blipFill>
+              <a:blip r:embed="rId4"/>
+              <a:stretch>
+                <a:fillRect/>
+              </a:stretch>
+            </p:blipFill>
+            <p:spPr>
+              <a:xfrm>
+                <a:off x="2968891" y="4785803"/>
+                <a:ext cx="851942" cy="1022988"/>
+              </a:xfrm>
+              <a:prstGeom prst="rect">
+                <a:avLst/>
+              </a:prstGeom>
+            </p:spPr>
+          </p:pic>
+          <p:pic>
+            <p:nvPicPr>
+              <p:cNvPr id="24" name="Picture 23">
+                <a:extLst>
+                  <a:ext uri="{FF2B5EF4-FFF2-40B4-BE49-F238E27FC236}">
+                    <a16:creationId xmlns:a16="http://schemas.microsoft.com/office/drawing/2014/main" id="{9D71CF88-8920-4ECE-963D-2A1E06F3929B}"/>
+                  </a:ext>
+                </a:extLst>
+              </p:cNvPr>
+              <p:cNvPicPr>
+                <a:picLocks noChangeAspect="1"/>
+              </p:cNvPicPr>
+              <p:nvPr/>
+            </p:nvPicPr>
+            <p:blipFill>
+              <a:blip r:embed="rId4"/>
+              <a:stretch>
+                <a:fillRect/>
+              </a:stretch>
+            </p:blipFill>
+            <p:spPr>
+              <a:xfrm>
+                <a:off x="2957634" y="3770575"/>
+                <a:ext cx="851942" cy="1022988"/>
+              </a:xfrm>
+              <a:prstGeom prst="rect">
+                <a:avLst/>
+              </a:prstGeom>
+            </p:spPr>
+          </p:pic>
+        </p:grpSp>
+        <p:cxnSp>
+          <p:nvCxnSpPr>
+            <p:cNvPr id="9" name="Straight Arrow Connector 8">
+              <a:extLst>
+                <a:ext uri="{FF2B5EF4-FFF2-40B4-BE49-F238E27FC236}">
+                  <a16:creationId xmlns:a16="http://schemas.microsoft.com/office/drawing/2014/main" id="{C623C051-816B-41EB-8C4F-32BC6C5C63D5}"/>
+                </a:ext>
+              </a:extLst>
+            </p:cNvPr>
+            <p:cNvCxnSpPr>
+              <a:cxnSpLocks/>
+            </p:cNvCxnSpPr>
+            <p:nvPr/>
+          </p:nvCxnSpPr>
+          <p:spPr>
+            <a:xfrm flipV="1">
+              <a:off x="2868600" y="3987537"/>
+              <a:ext cx="0" cy="2082418"/>
+            </a:xfrm>
+            <a:prstGeom prst="straightConnector1">
+              <a:avLst/>
+            </a:prstGeom>
+            <a:ln>
+              <a:solidFill>
+                <a:srgbClr val="F7B617"/>
+              </a:solidFill>
+              <a:headEnd type="none" w="med" len="med"/>
+              <a:tailEnd type="arrow" w="med" len="med"/>
+            </a:ln>
+          </p:spPr>
+          <p:style>
+            <a:lnRef idx="1">
+              <a:schemeClr val="accent1"/>
+            </a:lnRef>
+            <a:fillRef idx="0">
+              <a:schemeClr val="accent1"/>
+            </a:fillRef>
+            <a:effectRef idx="0">
+              <a:schemeClr val="accent1"/>
+            </a:effectRef>
+            <a:fontRef idx="minor">
+              <a:schemeClr val="tx1"/>
+            </a:fontRef>
+          </p:style>
+        </p:cxnSp>
+        <p:cxnSp>
+          <p:nvCxnSpPr>
+            <p:cNvPr id="11" name="Straight Arrow Connector 10">
+              <a:extLst>
+                <a:ext uri="{FF2B5EF4-FFF2-40B4-BE49-F238E27FC236}">
+                  <a16:creationId xmlns:a16="http://schemas.microsoft.com/office/drawing/2014/main" id="{32DE32F5-D1D1-400F-9F65-C6CB8827298B}"/>
+                </a:ext>
+              </a:extLst>
+            </p:cNvPr>
+            <p:cNvCxnSpPr>
+              <a:cxnSpLocks/>
+            </p:cNvCxnSpPr>
+            <p:nvPr/>
+          </p:nvCxnSpPr>
+          <p:spPr>
+            <a:xfrm>
+              <a:off x="2632435" y="6069957"/>
+              <a:ext cx="1708608" cy="11225"/>
+            </a:xfrm>
+            <a:prstGeom prst="straightConnector1">
+              <a:avLst/>
+            </a:prstGeom>
+            <a:ln>
+              <a:solidFill>
+                <a:srgbClr val="F7B617"/>
+              </a:solidFill>
+              <a:headEnd type="none" w="med" len="med"/>
+              <a:tailEnd type="arrow" w="med" len="med"/>
+            </a:ln>
+          </p:spPr>
+          <p:style>
+            <a:lnRef idx="1">
+              <a:schemeClr val="accent1"/>
+            </a:lnRef>
+            <a:fillRef idx="0">
+              <a:schemeClr val="accent1"/>
+            </a:fillRef>
+            <a:effectRef idx="0">
+              <a:schemeClr val="accent1"/>
+            </a:effectRef>
+            <a:fontRef idx="minor">
+              <a:schemeClr val="tx1"/>
+            </a:fontRef>
+          </p:style>
+        </p:cxnSp>
+        <p:sp>
+          <p:nvSpPr>
+            <p:cNvPr id="14" name="TextBox 13">
+              <a:extLst>
+                <a:ext uri="{FF2B5EF4-FFF2-40B4-BE49-F238E27FC236}">
+                  <a16:creationId xmlns:a16="http://schemas.microsoft.com/office/drawing/2014/main" id="{C932445C-7AF1-4588-963A-F62BFA3C8830}"/>
+                </a:ext>
+              </a:extLst>
+            </p:cNvPr>
+            <p:cNvSpPr txBox="1"/>
+            <p:nvPr/>
+          </p:nvSpPr>
+          <p:spPr>
+            <a:xfrm rot="16200000" flipH="1">
+              <a:off x="1788987" y="4707766"/>
+              <a:ext cx="1776955" cy="307777"/>
+            </a:xfrm>
+            <a:prstGeom prst="rect">
+              <a:avLst/>
+            </a:prstGeom>
+            <a:noFill/>
+          </p:spPr>
+          <p:txBody>
+            <a:bodyPr wrap="square" rtlCol="0">
+              <a:spAutoFit/>
+            </a:bodyPr>
+            <a:lstStyle/>
+            <a:p>
+              <a:pPr algn="ctr"/>
+              <a:r>
+                <a:rPr lang="es-VE" dirty="0">
+                  <a:latin typeface="Raleway" panose="020B0604020202020204" charset="0"/>
+                </a:rPr>
+                <a:t>Hacia Arriba</a:t>
+              </a:r>
+              <a:endParaRPr lang="en-US" dirty="0">
+                <a:latin typeface="Raleway" panose="020B0604020202020204" charset="0"/>
+              </a:endParaRPr>
+            </a:p>
+          </p:txBody>
+        </p:sp>
+        <p:sp>
+          <p:nvSpPr>
+            <p:cNvPr id="16" name="Rectangle 15">
+              <a:extLst>
+                <a:ext uri="{FF2B5EF4-FFF2-40B4-BE49-F238E27FC236}">
+                  <a16:creationId xmlns:a16="http://schemas.microsoft.com/office/drawing/2014/main" id="{06F3B543-A105-4D9E-83BF-6E434FA4C72E}"/>
+                </a:ext>
+              </a:extLst>
+            </p:cNvPr>
+            <p:cNvSpPr/>
+            <p:nvPr/>
+          </p:nvSpPr>
+          <p:spPr>
+            <a:xfrm>
+              <a:off x="3287446" y="4764038"/>
+              <a:ext cx="282215" cy="273377"/>
+            </a:xfrm>
+            <a:prstGeom prst="rect">
+              <a:avLst/>
+            </a:prstGeom>
+            <a:ln>
+              <a:solidFill>
+                <a:srgbClr val="2B2B2B"/>
+              </a:solidFill>
+            </a:ln>
+          </p:spPr>
+          <p:style>
+            <a:lnRef idx="2">
+              <a:schemeClr val="accent3">
+                <a:shade val="50000"/>
+              </a:schemeClr>
+            </a:lnRef>
+            <a:fillRef idx="1">
+              <a:schemeClr val="accent3"/>
+            </a:fillRef>
+            <a:effectRef idx="0">
+              <a:schemeClr val="accent3"/>
+            </a:effectRef>
+            <a:fontRef idx="minor">
+              <a:schemeClr val="lt1"/>
+            </a:fontRef>
+          </p:style>
+          <p:txBody>
+            <a:bodyPr rtlCol="0" anchor="ctr"/>
+            <a:lstStyle/>
+            <a:p>
+              <a:pPr algn="ctr"/>
+              <a:endParaRPr lang="en-US"/>
+            </a:p>
+          </p:txBody>
+        </p:sp>
+        <p:sp>
+          <p:nvSpPr>
+            <p:cNvPr id="17" name="Rectangle 16">
+              <a:extLst>
+                <a:ext uri="{FF2B5EF4-FFF2-40B4-BE49-F238E27FC236}">
+                  <a16:creationId xmlns:a16="http://schemas.microsoft.com/office/drawing/2014/main" id="{F8EF7B6D-F76A-4F25-8C60-E486086F169F}"/>
+                </a:ext>
+              </a:extLst>
+            </p:cNvPr>
+            <p:cNvSpPr/>
+            <p:nvPr/>
+          </p:nvSpPr>
+          <p:spPr>
+            <a:xfrm>
+              <a:off x="3536281" y="4007600"/>
+              <a:ext cx="282215" cy="273377"/>
+            </a:xfrm>
+            <a:prstGeom prst="rect">
+              <a:avLst/>
+            </a:prstGeom>
+            <a:solidFill>
+              <a:srgbClr val="0070C0"/>
+            </a:solidFill>
+            <a:ln>
+              <a:solidFill>
+                <a:schemeClr val="tx1"/>
+              </a:solidFill>
+            </a:ln>
+          </p:spPr>
+          <p:style>
+            <a:lnRef idx="2">
+              <a:schemeClr val="accent3">
+                <a:shade val="50000"/>
+              </a:schemeClr>
+            </a:lnRef>
+            <a:fillRef idx="1">
+              <a:schemeClr val="accent3"/>
+            </a:fillRef>
+            <a:effectRef idx="0">
+              <a:schemeClr val="accent3"/>
+            </a:effectRef>
+            <a:fontRef idx="minor">
+              <a:schemeClr val="lt1"/>
+            </a:fontRef>
+          </p:style>
+          <p:txBody>
+            <a:bodyPr rtlCol="0" anchor="ctr"/>
+            <a:lstStyle/>
+            <a:p>
+              <a:pPr algn="ctr"/>
+              <a:endParaRPr lang="en-US"/>
+            </a:p>
+          </p:txBody>
+        </p:sp>
+        <p:sp>
+          <p:nvSpPr>
+            <p:cNvPr id="18" name="TextBox 17">
+              <a:extLst>
+                <a:ext uri="{FF2B5EF4-FFF2-40B4-BE49-F238E27FC236}">
+                  <a16:creationId xmlns:a16="http://schemas.microsoft.com/office/drawing/2014/main" id="{1FFAD7EA-0C6F-4DFB-9DEC-3A9D0805E62C}"/>
+                </a:ext>
+              </a:extLst>
+            </p:cNvPr>
+            <p:cNvSpPr txBox="1"/>
+            <p:nvPr/>
+          </p:nvSpPr>
+          <p:spPr>
+            <a:xfrm>
+              <a:off x="3308069" y="4729638"/>
+              <a:ext cx="261592" cy="307777"/>
+            </a:xfrm>
+            <a:prstGeom prst="rect">
+              <a:avLst/>
+            </a:prstGeom>
+            <a:noFill/>
+          </p:spPr>
+          <p:txBody>
+            <a:bodyPr wrap="square" rtlCol="0">
+              <a:spAutoFit/>
+            </a:bodyPr>
+            <a:lstStyle/>
+            <a:p>
+              <a:r>
+                <a:rPr lang="es-VE" dirty="0">
+                  <a:latin typeface="Raleway" panose="020B0604020202020204" charset="0"/>
+                </a:rPr>
+                <a:t>1</a:t>
+              </a:r>
+            </a:p>
+          </p:txBody>
+        </p:sp>
+        <p:sp>
+          <p:nvSpPr>
+            <p:cNvPr id="19" name="TextBox 18">
+              <a:extLst>
+                <a:ext uri="{FF2B5EF4-FFF2-40B4-BE49-F238E27FC236}">
+                  <a16:creationId xmlns:a16="http://schemas.microsoft.com/office/drawing/2014/main" id="{F0D9DB12-F68A-47AA-B1B5-62C207F4B0A3}"/>
+                </a:ext>
+              </a:extLst>
+            </p:cNvPr>
+            <p:cNvSpPr txBox="1"/>
+            <p:nvPr/>
+          </p:nvSpPr>
+          <p:spPr>
+            <a:xfrm>
+              <a:off x="3556904" y="3990399"/>
+              <a:ext cx="261592" cy="307777"/>
+            </a:xfrm>
+            <a:prstGeom prst="rect">
+              <a:avLst/>
+            </a:prstGeom>
+            <a:noFill/>
+          </p:spPr>
+          <p:txBody>
+            <a:bodyPr wrap="square" rtlCol="0">
+              <a:spAutoFit/>
+            </a:bodyPr>
+            <a:lstStyle/>
+            <a:p>
+              <a:r>
+                <a:rPr lang="es-VE" dirty="0">
+                  <a:latin typeface="Raleway" panose="020B0604020202020204" charset="0"/>
+                </a:rPr>
+                <a:t>2</a:t>
+              </a:r>
+            </a:p>
+          </p:txBody>
+        </p:sp>
+        <p:sp>
+          <p:nvSpPr>
+            <p:cNvPr id="21" name="TextBox 20">
+              <a:extLst>
+                <a:ext uri="{FF2B5EF4-FFF2-40B4-BE49-F238E27FC236}">
+                  <a16:creationId xmlns:a16="http://schemas.microsoft.com/office/drawing/2014/main" id="{23EDE1EA-B559-44B4-BC2D-3169A6D6C58C}"/>
+                </a:ext>
+              </a:extLst>
+            </p:cNvPr>
+            <p:cNvSpPr txBox="1"/>
+            <p:nvPr/>
+          </p:nvSpPr>
+          <p:spPr>
+            <a:xfrm>
+              <a:off x="2994880" y="4754324"/>
+              <a:ext cx="261592" cy="307777"/>
+            </a:xfrm>
+            <a:prstGeom prst="rect">
+              <a:avLst/>
+            </a:prstGeom>
+            <a:noFill/>
+          </p:spPr>
+          <p:txBody>
+            <a:bodyPr wrap="square" rtlCol="0">
+              <a:spAutoFit/>
+            </a:bodyPr>
+            <a:lstStyle/>
+            <a:p>
+              <a:r>
+                <a:rPr lang="es-VE" dirty="0">
+                  <a:latin typeface="Raleway" panose="020B0604020202020204" charset="0"/>
+                </a:rPr>
+                <a:t>4</a:t>
+              </a:r>
+            </a:p>
+          </p:txBody>
+        </p:sp>
+        <p:sp>
+          <p:nvSpPr>
+            <p:cNvPr id="22" name="TextBox 21">
+              <a:extLst>
+                <a:ext uri="{FF2B5EF4-FFF2-40B4-BE49-F238E27FC236}">
+                  <a16:creationId xmlns:a16="http://schemas.microsoft.com/office/drawing/2014/main" id="{12607F9D-74BA-49F7-9E15-7F949FB01DCF}"/>
+                </a:ext>
+              </a:extLst>
+            </p:cNvPr>
+            <p:cNvSpPr txBox="1"/>
+            <p:nvPr/>
+          </p:nvSpPr>
+          <p:spPr>
+            <a:xfrm>
+              <a:off x="3320291" y="5737203"/>
+              <a:ext cx="261592" cy="307777"/>
+            </a:xfrm>
+            <a:prstGeom prst="rect">
+              <a:avLst/>
+            </a:prstGeom>
+            <a:noFill/>
+          </p:spPr>
+          <p:txBody>
+            <a:bodyPr wrap="square" rtlCol="0">
+              <a:spAutoFit/>
+            </a:bodyPr>
+            <a:lstStyle/>
+            <a:p>
+              <a:r>
+                <a:rPr lang="es-VE" dirty="0">
+                  <a:latin typeface="Raleway" panose="020B0604020202020204" charset="0"/>
+                </a:rPr>
+                <a:t>1</a:t>
+              </a:r>
+            </a:p>
+          </p:txBody>
+        </p:sp>
+        <p:sp>
+          <p:nvSpPr>
+            <p:cNvPr id="26" name="TextBox 25">
+              <a:extLst>
+                <a:ext uri="{FF2B5EF4-FFF2-40B4-BE49-F238E27FC236}">
+                  <a16:creationId xmlns:a16="http://schemas.microsoft.com/office/drawing/2014/main" id="{F02D2BF8-1E77-4F35-8174-8A6412AEC107}"/>
+                </a:ext>
+              </a:extLst>
+            </p:cNvPr>
+            <p:cNvSpPr txBox="1"/>
+            <p:nvPr/>
+          </p:nvSpPr>
+          <p:spPr>
+            <a:xfrm>
+              <a:off x="3609047" y="5750132"/>
+              <a:ext cx="261592" cy="307777"/>
+            </a:xfrm>
+            <a:prstGeom prst="rect">
+              <a:avLst/>
+            </a:prstGeom>
+            <a:noFill/>
+          </p:spPr>
+          <p:txBody>
+            <a:bodyPr wrap="square" rtlCol="0">
+              <a:spAutoFit/>
+            </a:bodyPr>
+            <a:lstStyle/>
+            <a:p>
+              <a:r>
+                <a:rPr lang="es-VE" dirty="0">
+                  <a:latin typeface="Raleway" panose="020B0604020202020204" charset="0"/>
+                </a:rPr>
+                <a:t>2</a:t>
+              </a:r>
+            </a:p>
+          </p:txBody>
+        </p:sp>
+        <p:sp>
+          <p:nvSpPr>
+            <p:cNvPr id="27" name="TextBox 26">
+              <a:extLst>
+                <a:ext uri="{FF2B5EF4-FFF2-40B4-BE49-F238E27FC236}">
+                  <a16:creationId xmlns:a16="http://schemas.microsoft.com/office/drawing/2014/main" id="{94A8019D-452C-4B49-B4A5-8FB3A1F2CC34}"/>
+                </a:ext>
+              </a:extLst>
+            </p:cNvPr>
+            <p:cNvSpPr txBox="1"/>
+            <p:nvPr/>
+          </p:nvSpPr>
+          <p:spPr>
+            <a:xfrm>
+              <a:off x="3029447" y="3973469"/>
+              <a:ext cx="261592" cy="307777"/>
+            </a:xfrm>
+            <a:prstGeom prst="rect">
+              <a:avLst/>
+            </a:prstGeom>
+            <a:noFill/>
+          </p:spPr>
+          <p:txBody>
+            <a:bodyPr wrap="square" rtlCol="0">
+              <a:spAutoFit/>
+            </a:bodyPr>
+            <a:lstStyle/>
+            <a:p>
+              <a:r>
+                <a:rPr lang="es-VE" dirty="0">
+                  <a:latin typeface="Raleway" panose="020B0604020202020204" charset="0"/>
+                </a:rPr>
+                <a:t>7</a:t>
+              </a:r>
+            </a:p>
+          </p:txBody>
+        </p:sp>
+      </p:grpSp>
     </p:spTree>
     <p:extLst>
       <p:ext uri="{BB962C8B-B14F-4D97-AF65-F5344CB8AC3E}">
@@ -12538,7 +13224,7 @@
                 <a:cs typeface="Montserrat"/>
                 <a:sym typeface="Montserrat"/>
               </a:rPr>
-              <a:t>5.4 Gráfico de Dispersión</a:t>
+              <a:t>5.5 Gráfico de Dispersión</a:t>
             </a:r>
             <a:endParaRPr lang="es-VE" sz="1200" i="0" u="none" strike="noStrike" cap="none" dirty="0">
               <a:solidFill>
@@ -12587,7 +13273,7 @@
         </p:nvSpPr>
         <p:spPr>
           <a:xfrm>
-            <a:off x="1117076" y="674182"/>
+            <a:off x="1117076" y="688323"/>
             <a:ext cx="7494309" cy="646200"/>
           </a:xfrm>
           <a:prstGeom prst="rect">
@@ -12637,6 +13323,35 @@
       </p:sp>
       <p:pic>
         <p:nvPicPr>
+          <p:cNvPr id="4" name="Picture 3" descr="A picture containing light, traffic, night, outdoor&#10;&#10;Description generated with very high confidence">
+            <a:extLst>
+              <a:ext uri="{FF2B5EF4-FFF2-40B4-BE49-F238E27FC236}">
+                <a16:creationId xmlns:a16="http://schemas.microsoft.com/office/drawing/2014/main" id="{E63DEB88-06AC-4FB1-8126-335E2A4CDBA4}"/>
+              </a:ext>
+            </a:extLst>
+          </p:cNvPr>
+          <p:cNvPicPr>
+            <a:picLocks noChangeAspect="1"/>
+          </p:cNvPicPr>
+          <p:nvPr/>
+        </p:nvPicPr>
+        <p:blipFill rotWithShape="1">
+          <a:blip r:embed="rId4"/>
+          <a:srcRect l="31907" t="32236" r="33969"/>
+          <a:stretch/>
+        </p:blipFill>
+        <p:spPr>
+          <a:xfrm rot="2676441">
+            <a:off x="5434558" y="2135171"/>
+            <a:ext cx="3120272" cy="2831908"/>
+          </a:xfrm>
+          <a:prstGeom prst="rect">
+            <a:avLst/>
+          </a:prstGeom>
+        </p:spPr>
+      </p:pic>
+      <p:pic>
+        <p:nvPicPr>
           <p:cNvPr id="2" name="Picture 1">
             <a:extLst>
               <a:ext uri="{FF2B5EF4-FFF2-40B4-BE49-F238E27FC236}">
@@ -12650,7 +13365,7 @@
           <p:nvPr/>
         </p:nvPicPr>
         <p:blipFill>
-          <a:blip r:embed="rId4"/>
+          <a:blip r:embed="rId5"/>
           <a:stretch>
             <a:fillRect/>
           </a:stretch>
@@ -12697,53 +13412,6 @@
       </p:grpSpPr>
       <p:sp>
         <p:nvSpPr>
-          <p:cNvPr id="393" name="Shape 393"/>
-          <p:cNvSpPr txBox="1">
-            <a:spLocks noGrp="1"/>
-          </p:cNvSpPr>
-          <p:nvPr>
-            <p:ph type="body" idx="1"/>
-          </p:nvPr>
-        </p:nvSpPr>
-        <p:spPr>
-          <a:xfrm>
-            <a:off x="457200" y="1628481"/>
-            <a:ext cx="8229600" cy="4526100"/>
-          </a:xfrm>
-          <a:prstGeom prst="rect">
-            <a:avLst/>
-          </a:prstGeom>
-          <a:noFill/>
-          <a:ln>
-            <a:noFill/>
-          </a:ln>
-        </p:spPr>
-        <p:txBody>
-          <a:bodyPr lIns="91425" tIns="45700" rIns="91425" bIns="45700" anchor="t" anchorCtr="0">
-            <a:noAutofit/>
-          </a:bodyPr>
-          <a:lstStyle/>
-          <a:p>
-            <a:pPr marL="0" marR="0" lvl="0" indent="0" algn="l" rtl="0">
-              <a:lnSpc>
-                <a:spcPct val="90000"/>
-              </a:lnSpc>
-              <a:spcBef>
-                <a:spcPts val="0"/>
-              </a:spcBef>
-              <a:buClr>
-                <a:schemeClr val="dk1"/>
-              </a:buClr>
-              <a:buSzPct val="25000"/>
-              <a:buFont typeface="Arial"/>
-              <a:buNone/>
-            </a:pPr>
-            <a:endParaRPr lang="es-VE" sz="1850" dirty="0"/>
-          </a:p>
-        </p:txBody>
-      </p:sp>
-      <p:sp>
-        <p:nvSpPr>
           <p:cNvPr id="394" name="Shape 394"/>
           <p:cNvSpPr txBox="1">
             <a:spLocks noGrp="1"/>
@@ -12787,7 +13455,7 @@
                 <a:cs typeface="Montserrat"/>
                 <a:sym typeface="Montserrat"/>
               </a:rPr>
-              <a:t>5.4 Gráfico de Dispersión</a:t>
+              <a:t>5.5 Gráfico de Dispersión</a:t>
             </a:r>
             <a:endParaRPr lang="es-VE" sz="1200" i="0" u="none" strike="noStrike" cap="none" dirty="0">
               <a:solidFill>
@@ -12950,7 +13618,7 @@
                 <a:cs typeface="Montserrat"/>
                 <a:sym typeface="Montserrat"/>
               </a:rPr>
-              <a:t>5.4 Gráfico de Dispersión</a:t>
+              <a:t>5.5 Gráfico de Dispersión</a:t>
             </a:r>
             <a:endParaRPr lang="es-VE" sz="1200" i="0" u="none" strike="noStrike" cap="none" dirty="0">
               <a:solidFill>
